--- a/HackLassonde.pptx
+++ b/HackLassonde.pptx
@@ -128,6 +128,11 @@
       </a:defRPr>
     </a:lvl9pPr>
   </p:defaultTextStyle>
+  <p:extLst>
+    <p:ext uri="{EFAFB233-063F-42B5-8137-9DF3F51BA10A}">
+      <p15:sldGuideLst xmlns:p15="http://schemas.microsoft.com/office/powerpoint/2012/main"/>
+    </p:ext>
+  </p:extLst>
 </p:presentation>
 </file>
 
@@ -409,12 +414,12 @@
   <p:clrMapOvr>
     <a:masterClrMapping/>
   </p:clrMapOvr>
-  <mc:AlternateContent xmlns:mc="http://schemas.openxmlformats.org/markup-compatibility/2006" xmlns:p14="http://schemas.microsoft.com/office/powerpoint/2010/main">
-    <mc:Choice Requires="p14">
-      <p:transition p14:dur="250" advClick="0" advTm="10000"/>
+  <mc:AlternateContent xmlns:mc="http://schemas.openxmlformats.org/markup-compatibility/2006">
+    <mc:Choice xmlns:p14="http://schemas.microsoft.com/office/powerpoint/2010/main" Requires="p14">
+      <p:transition p14:dur="250" advClick="0"/>
     </mc:Choice>
-    <mc:Fallback xmlns="">
-      <p:transition advClick="0" advTm="10000"/>
+    <mc:Fallback>
+      <p:transition advClick="0"/>
     </mc:Fallback>
   </mc:AlternateContent>
 </p:sldLayout>
@@ -587,12 +592,12 @@
   <p:clrMapOvr>
     <a:masterClrMapping/>
   </p:clrMapOvr>
-  <mc:AlternateContent xmlns:mc="http://schemas.openxmlformats.org/markup-compatibility/2006" xmlns:p14="http://schemas.microsoft.com/office/powerpoint/2010/main">
-    <mc:Choice Requires="p14">
-      <p:transition p14:dur="250" advClick="0" advTm="10000"/>
+  <mc:AlternateContent xmlns:mc="http://schemas.openxmlformats.org/markup-compatibility/2006">
+    <mc:Choice xmlns:p14="http://schemas.microsoft.com/office/powerpoint/2010/main" Requires="p14">
+      <p:transition p14:dur="250" advClick="0"/>
     </mc:Choice>
-    <mc:Fallback xmlns="">
-      <p:transition advClick="0" advTm="10000"/>
+    <mc:Fallback>
+      <p:transition advClick="0"/>
     </mc:Fallback>
   </mc:AlternateContent>
 </p:sldLayout>
@@ -775,12 +780,12 @@
   <p:clrMapOvr>
     <a:masterClrMapping/>
   </p:clrMapOvr>
-  <mc:AlternateContent xmlns:mc="http://schemas.openxmlformats.org/markup-compatibility/2006" xmlns:p14="http://schemas.microsoft.com/office/powerpoint/2010/main">
-    <mc:Choice Requires="p14">
-      <p:transition p14:dur="250" advClick="0" advTm="10000"/>
+  <mc:AlternateContent xmlns:mc="http://schemas.openxmlformats.org/markup-compatibility/2006">
+    <mc:Choice xmlns:p14="http://schemas.microsoft.com/office/powerpoint/2010/main" Requires="p14">
+      <p:transition p14:dur="250" advClick="0"/>
     </mc:Choice>
-    <mc:Fallback xmlns="">
-      <p:transition advClick="0" advTm="10000"/>
+    <mc:Fallback>
+      <p:transition advClick="0"/>
     </mc:Fallback>
   </mc:AlternateContent>
 </p:sldLayout>
@@ -953,12 +958,12 @@
   <p:clrMapOvr>
     <a:masterClrMapping/>
   </p:clrMapOvr>
-  <mc:AlternateContent xmlns:mc="http://schemas.openxmlformats.org/markup-compatibility/2006" xmlns:p14="http://schemas.microsoft.com/office/powerpoint/2010/main">
-    <mc:Choice Requires="p14">
-      <p:transition p14:dur="250" advClick="0" advTm="10000"/>
+  <mc:AlternateContent xmlns:mc="http://schemas.openxmlformats.org/markup-compatibility/2006">
+    <mc:Choice xmlns:p14="http://schemas.microsoft.com/office/powerpoint/2010/main" Requires="p14">
+      <p:transition p14:dur="250" advClick="0"/>
     </mc:Choice>
-    <mc:Fallback xmlns="">
-      <p:transition advClick="0" advTm="10000"/>
+    <mc:Fallback>
+      <p:transition advClick="0"/>
     </mc:Fallback>
   </mc:AlternateContent>
 </p:sldLayout>
@@ -1217,12 +1222,12 @@
   <p:clrMapOvr>
     <a:masterClrMapping/>
   </p:clrMapOvr>
-  <mc:AlternateContent xmlns:mc="http://schemas.openxmlformats.org/markup-compatibility/2006" xmlns:p14="http://schemas.microsoft.com/office/powerpoint/2010/main">
-    <mc:Choice Requires="p14">
-      <p:transition p14:dur="250" advClick="0" advTm="10000"/>
+  <mc:AlternateContent xmlns:mc="http://schemas.openxmlformats.org/markup-compatibility/2006">
+    <mc:Choice xmlns:p14="http://schemas.microsoft.com/office/powerpoint/2010/main" Requires="p14">
+      <p:transition p14:dur="250" advClick="0"/>
     </mc:Choice>
-    <mc:Fallback xmlns="">
-      <p:transition advClick="0" advTm="10000"/>
+    <mc:Fallback>
+      <p:transition advClick="0"/>
     </mc:Fallback>
   </mc:AlternateContent>
 </p:sldLayout>
@@ -1513,12 +1518,12 @@
   <p:clrMapOvr>
     <a:masterClrMapping/>
   </p:clrMapOvr>
-  <mc:AlternateContent xmlns:mc="http://schemas.openxmlformats.org/markup-compatibility/2006" xmlns:p14="http://schemas.microsoft.com/office/powerpoint/2010/main">
-    <mc:Choice Requires="p14">
-      <p:transition p14:dur="250" advClick="0" advTm="10000"/>
+  <mc:AlternateContent xmlns:mc="http://schemas.openxmlformats.org/markup-compatibility/2006">
+    <mc:Choice xmlns:p14="http://schemas.microsoft.com/office/powerpoint/2010/main" Requires="p14">
+      <p:transition p14:dur="250" advClick="0"/>
     </mc:Choice>
-    <mc:Fallback xmlns="">
-      <p:transition advClick="0" advTm="10000"/>
+    <mc:Fallback>
+      <p:transition advClick="0"/>
     </mc:Fallback>
   </mc:AlternateContent>
 </p:sldLayout>
@@ -1959,12 +1964,12 @@
   <p:clrMapOvr>
     <a:masterClrMapping/>
   </p:clrMapOvr>
-  <mc:AlternateContent xmlns:mc="http://schemas.openxmlformats.org/markup-compatibility/2006" xmlns:p14="http://schemas.microsoft.com/office/powerpoint/2010/main">
-    <mc:Choice Requires="p14">
-      <p:transition p14:dur="250" advClick="0" advTm="10000"/>
+  <mc:AlternateContent xmlns:mc="http://schemas.openxmlformats.org/markup-compatibility/2006">
+    <mc:Choice xmlns:p14="http://schemas.microsoft.com/office/powerpoint/2010/main" Requires="p14">
+      <p:transition p14:dur="250" advClick="0"/>
     </mc:Choice>
-    <mc:Fallback xmlns="">
-      <p:transition advClick="0" advTm="10000"/>
+    <mc:Fallback>
+      <p:transition advClick="0"/>
     </mc:Fallback>
   </mc:AlternateContent>
 </p:sldLayout>
@@ -2085,12 +2090,12 @@
   <p:clrMapOvr>
     <a:masterClrMapping/>
   </p:clrMapOvr>
-  <mc:AlternateContent xmlns:mc="http://schemas.openxmlformats.org/markup-compatibility/2006" xmlns:p14="http://schemas.microsoft.com/office/powerpoint/2010/main">
-    <mc:Choice Requires="p14">
-      <p:transition p14:dur="250" advClick="0" advTm="10000"/>
+  <mc:AlternateContent xmlns:mc="http://schemas.openxmlformats.org/markup-compatibility/2006">
+    <mc:Choice xmlns:p14="http://schemas.microsoft.com/office/powerpoint/2010/main" Requires="p14">
+      <p:transition p14:dur="250" advClick="0"/>
     </mc:Choice>
-    <mc:Fallback xmlns="">
-      <p:transition advClick="0" advTm="10000"/>
+    <mc:Fallback>
+      <p:transition advClick="0"/>
     </mc:Fallback>
   </mc:AlternateContent>
 </p:sldLayout>
@@ -2188,12 +2193,12 @@
   <p:clrMapOvr>
     <a:masterClrMapping/>
   </p:clrMapOvr>
-  <mc:AlternateContent xmlns:mc="http://schemas.openxmlformats.org/markup-compatibility/2006" xmlns:p14="http://schemas.microsoft.com/office/powerpoint/2010/main">
-    <mc:Choice Requires="p14">
-      <p:transition p14:dur="250" advClick="0" advTm="10000"/>
+  <mc:AlternateContent xmlns:mc="http://schemas.openxmlformats.org/markup-compatibility/2006">
+    <mc:Choice xmlns:p14="http://schemas.microsoft.com/office/powerpoint/2010/main" Requires="p14">
+      <p:transition p14:dur="250" advClick="0"/>
     </mc:Choice>
-    <mc:Fallback xmlns="">
-      <p:transition advClick="0" advTm="10000"/>
+    <mc:Fallback>
+      <p:transition advClick="0"/>
     </mc:Fallback>
   </mc:AlternateContent>
 </p:sldLayout>
@@ -2562,12 +2567,12 @@
   <p:clrMapOvr>
     <a:masterClrMapping/>
   </p:clrMapOvr>
-  <mc:AlternateContent xmlns:mc="http://schemas.openxmlformats.org/markup-compatibility/2006" xmlns:p14="http://schemas.microsoft.com/office/powerpoint/2010/main">
-    <mc:Choice Requires="p14">
-      <p:transition p14:dur="250" advClick="0" advTm="10000"/>
+  <mc:AlternateContent xmlns:mc="http://schemas.openxmlformats.org/markup-compatibility/2006">
+    <mc:Choice xmlns:p14="http://schemas.microsoft.com/office/powerpoint/2010/main" Requires="p14">
+      <p:transition p14:dur="250" advClick="0"/>
     </mc:Choice>
-    <mc:Fallback xmlns="">
-      <p:transition advClick="0" advTm="10000"/>
+    <mc:Fallback>
+      <p:transition advClick="0"/>
     </mc:Fallback>
   </mc:AlternateContent>
 </p:sldLayout>
@@ -2896,12 +2901,12 @@
   <p:clrMapOvr>
     <a:overrideClrMapping bg1="lt1" tx1="dk1" bg2="lt2" tx2="dk2" accent1="accent1" accent2="accent2" accent3="accent3" accent4="accent4" accent5="accent5" accent6="accent6" hlink="hlink" folHlink="folHlink"/>
   </p:clrMapOvr>
-  <mc:AlternateContent xmlns:mc="http://schemas.openxmlformats.org/markup-compatibility/2006" xmlns:p14="http://schemas.microsoft.com/office/powerpoint/2010/main">
-    <mc:Choice Requires="p14">
-      <p:transition p14:dur="250" advClick="0" advTm="10000"/>
+  <mc:AlternateContent xmlns:mc="http://schemas.openxmlformats.org/markup-compatibility/2006">
+    <mc:Choice xmlns:p14="http://schemas.microsoft.com/office/powerpoint/2010/main" Requires="p14">
+      <p:transition p14:dur="250" advClick="0"/>
     </mc:Choice>
-    <mc:Fallback xmlns="">
-      <p:transition advClick="0" advTm="10000"/>
+    <mc:Fallback>
+      <p:transition advClick="0"/>
     </mc:Fallback>
   </mc:AlternateContent>
 </p:sldLayout>
@@ -3170,12 +3175,12 @@
     <p:sldLayoutId id="2147483670" r:id="rId10"/>
     <p:sldLayoutId id="2147483671" r:id="rId11"/>
   </p:sldLayoutIdLst>
-  <mc:AlternateContent xmlns:mc="http://schemas.openxmlformats.org/markup-compatibility/2006" xmlns:p14="http://schemas.microsoft.com/office/powerpoint/2010/main">
-    <mc:Choice Requires="p14">
-      <p:transition p14:dur="250" advClick="0" advTm="10000"/>
+  <mc:AlternateContent xmlns:mc="http://schemas.openxmlformats.org/markup-compatibility/2006">
+    <mc:Choice xmlns:p14="http://schemas.microsoft.com/office/powerpoint/2010/main" Requires="p14">
+      <p:transition p14:dur="250" advClick="0"/>
     </mc:Choice>
-    <mc:Fallback xmlns="">
-      <p:transition advClick="0" advTm="10000"/>
+    <mc:Fallback>
+      <p:transition advClick="0"/>
     </mc:Fallback>
   </mc:AlternateContent>
   <p:txStyles>
@@ -3701,12 +3706,12 @@
   <p:clrMapOvr>
     <a:overrideClrMapping bg1="dk1" tx1="lt1" bg2="dk2" tx2="lt2" accent1="accent1" accent2="accent2" accent3="accent3" accent4="accent4" accent5="accent5" accent6="accent6" hlink="hlink" folHlink="folHlink"/>
   </p:clrMapOvr>
-  <mc:AlternateContent xmlns:mc="http://schemas.openxmlformats.org/markup-compatibility/2006" xmlns:p14="http://schemas.microsoft.com/office/powerpoint/2010/main">
-    <mc:Choice Requires="p14">
-      <p:transition p14:dur="250" advClick="0" advTm="10000"/>
+  <mc:AlternateContent xmlns:mc="http://schemas.openxmlformats.org/markup-compatibility/2006">
+    <mc:Choice xmlns:p14="http://schemas.microsoft.com/office/powerpoint/2010/main" Requires="p14">
+      <p:transition p14:dur="250" advClick="0"/>
     </mc:Choice>
-    <mc:Fallback xmlns="">
-      <p:transition advClick="0" advTm="10000"/>
+    <mc:Fallback>
+      <p:transition advClick="0"/>
     </mc:Fallback>
   </mc:AlternateContent>
 </p:sld>
@@ -3937,12 +3942,12 @@
   <p:clrMapOvr>
     <a:masterClrMapping/>
   </p:clrMapOvr>
-  <mc:AlternateContent xmlns:mc="http://schemas.openxmlformats.org/markup-compatibility/2006" xmlns:p14="http://schemas.microsoft.com/office/powerpoint/2010/main">
-    <mc:Choice Requires="p14">
-      <p:transition p14:dur="250" advClick="0" advTm="10000"/>
+  <mc:AlternateContent xmlns:mc="http://schemas.openxmlformats.org/markup-compatibility/2006">
+    <mc:Choice xmlns:p14="http://schemas.microsoft.com/office/powerpoint/2010/main" Requires="p14">
+      <p:transition p14:dur="250" advClick="0"/>
     </mc:Choice>
-    <mc:Fallback xmlns="">
-      <p:transition advClick="0" advTm="10000"/>
+    <mc:Fallback>
+      <p:transition advClick="0"/>
     </mc:Fallback>
   </mc:AlternateContent>
 </p:sld>
@@ -4275,12 +4280,12 @@
   <p:clrMapOvr>
     <a:masterClrMapping/>
   </p:clrMapOvr>
-  <mc:AlternateContent xmlns:mc="http://schemas.openxmlformats.org/markup-compatibility/2006" xmlns:p14="http://schemas.microsoft.com/office/powerpoint/2010/main">
-    <mc:Choice Requires="p14">
-      <p:transition p14:dur="250" advClick="0" advTm="10000"/>
+  <mc:AlternateContent xmlns:mc="http://schemas.openxmlformats.org/markup-compatibility/2006">
+    <mc:Choice xmlns:p14="http://schemas.microsoft.com/office/powerpoint/2010/main" Requires="p14">
+      <p:transition p14:dur="250" advClick="0"/>
     </mc:Choice>
-    <mc:Fallback xmlns="">
-      <p:transition advClick="0" advTm="10000"/>
+    <mc:Fallback>
+      <p:transition advClick="0"/>
     </mc:Fallback>
   </mc:AlternateContent>
 </p:sld>
@@ -4448,12 +4453,12 @@
   <p:clrMapOvr>
     <a:masterClrMapping/>
   </p:clrMapOvr>
-  <mc:AlternateContent xmlns:mc="http://schemas.openxmlformats.org/markup-compatibility/2006" xmlns:p14="http://schemas.microsoft.com/office/powerpoint/2010/main">
-    <mc:Choice Requires="p14">
-      <p:transition p14:dur="250" advClick="0" advTm="10000"/>
+  <mc:AlternateContent xmlns:mc="http://schemas.openxmlformats.org/markup-compatibility/2006">
+    <mc:Choice xmlns:p14="http://schemas.microsoft.com/office/powerpoint/2010/main" Requires="p14">
+      <p:transition p14:dur="250" advClick="0"/>
     </mc:Choice>
-    <mc:Fallback xmlns="">
-      <p:transition advClick="0" advTm="10000"/>
+    <mc:Fallback>
+      <p:transition advClick="0"/>
     </mc:Fallback>
   </mc:AlternateContent>
 </p:sld>
@@ -4987,12 +4992,12 @@
   <p:clrMapOvr>
     <a:masterClrMapping/>
   </p:clrMapOvr>
-  <mc:AlternateContent xmlns:mc="http://schemas.openxmlformats.org/markup-compatibility/2006" xmlns:p14="http://schemas.microsoft.com/office/powerpoint/2010/main">
-    <mc:Choice Requires="p14">
-      <p:transition p14:dur="250" advClick="0" advTm="10000"/>
+  <mc:AlternateContent xmlns:mc="http://schemas.openxmlformats.org/markup-compatibility/2006">
+    <mc:Choice xmlns:p14="http://schemas.microsoft.com/office/powerpoint/2010/main" Requires="p14">
+      <p:transition p14:dur="250" advClick="0"/>
     </mc:Choice>
-    <mc:Fallback xmlns="">
-      <p:transition advClick="0" advTm="10000"/>
+    <mc:Fallback>
+      <p:transition advClick="0"/>
     </mc:Fallback>
   </mc:AlternateContent>
 </p:sld>
@@ -5148,12 +5153,12 @@
   <p:clrMapOvr>
     <a:masterClrMapping/>
   </p:clrMapOvr>
-  <mc:AlternateContent xmlns:mc="http://schemas.openxmlformats.org/markup-compatibility/2006" xmlns:p14="http://schemas.microsoft.com/office/powerpoint/2010/main">
-    <mc:Choice Requires="p14">
-      <p:transition p14:dur="250" advClick="0" advTm="10000"/>
+  <mc:AlternateContent xmlns:mc="http://schemas.openxmlformats.org/markup-compatibility/2006">
+    <mc:Choice xmlns:p14="http://schemas.microsoft.com/office/powerpoint/2010/main" Requires="p14">
+      <p:transition p14:dur="250" advClick="0"/>
     </mc:Choice>
-    <mc:Fallback xmlns="">
-      <p:transition advClick="0" advTm="10000"/>
+    <mc:Fallback>
+      <p:transition advClick="0"/>
     </mc:Fallback>
   </mc:AlternateContent>
 </p:sld>
@@ -5444,12 +5449,12 @@
   <p:clrMapOvr>
     <a:masterClrMapping/>
   </p:clrMapOvr>
-  <mc:AlternateContent xmlns:mc="http://schemas.openxmlformats.org/markup-compatibility/2006" xmlns:p14="http://schemas.microsoft.com/office/powerpoint/2010/main">
-    <mc:Choice Requires="p14">
-      <p:transition p14:dur="250" advClick="0" advTm="10000"/>
+  <mc:AlternateContent xmlns:mc="http://schemas.openxmlformats.org/markup-compatibility/2006">
+    <mc:Choice xmlns:p14="http://schemas.microsoft.com/office/powerpoint/2010/main" Requires="p14">
+      <p:transition p14:dur="250" advClick="0"/>
     </mc:Choice>
-    <mc:Fallback xmlns="">
-      <p:transition advClick="0" advTm="10000"/>
+    <mc:Fallback>
+      <p:transition advClick="0"/>
     </mc:Fallback>
   </mc:AlternateContent>
 </p:sld>
@@ -5754,12 +5759,12 @@
   <p:clrMapOvr>
     <a:masterClrMapping/>
   </p:clrMapOvr>
-  <mc:AlternateContent xmlns:mc="http://schemas.openxmlformats.org/markup-compatibility/2006" xmlns:p14="http://schemas.microsoft.com/office/powerpoint/2010/main">
-    <mc:Choice Requires="p14">
-      <p:transition p14:dur="250" advClick="0" advTm="10000"/>
+  <mc:AlternateContent xmlns:mc="http://schemas.openxmlformats.org/markup-compatibility/2006">
+    <mc:Choice xmlns:p14="http://schemas.microsoft.com/office/powerpoint/2010/main" Requires="p14">
+      <p:transition p14:dur="250" advClick="0"/>
     </mc:Choice>
-    <mc:Fallback xmlns="">
-      <p:transition advClick="0" advTm="10000"/>
+    <mc:Fallback>
+      <p:transition advClick="0"/>
     </mc:Fallback>
   </mc:AlternateContent>
 </p:sld>
@@ -5968,12 +5973,12 @@
   <p:clrMapOvr>
     <a:masterClrMapping/>
   </p:clrMapOvr>
-  <mc:AlternateContent xmlns:mc="http://schemas.openxmlformats.org/markup-compatibility/2006" xmlns:p14="http://schemas.microsoft.com/office/powerpoint/2010/main">
-    <mc:Choice Requires="p14">
-      <p:transition p14:dur="250" advClick="0" advTm="10000"/>
+  <mc:AlternateContent xmlns:mc="http://schemas.openxmlformats.org/markup-compatibility/2006">
+    <mc:Choice xmlns:p14="http://schemas.microsoft.com/office/powerpoint/2010/main" Requires="p14">
+      <p:transition p14:dur="250" advClick="0"/>
     </mc:Choice>
-    <mc:Fallback xmlns="">
-      <p:transition advClick="0" advTm="10000"/>
+    <mc:Fallback>
+      <p:transition advClick="0"/>
     </mc:Fallback>
   </mc:AlternateContent>
 </p:sld>
@@ -6187,12 +6192,12 @@
   <p:clrMapOvr>
     <a:masterClrMapping/>
   </p:clrMapOvr>
-  <mc:AlternateContent xmlns:mc="http://schemas.openxmlformats.org/markup-compatibility/2006" xmlns:p14="http://schemas.microsoft.com/office/powerpoint/2010/main">
-    <mc:Choice Requires="p14">
-      <p:transition p14:dur="250" advClick="0" advTm="10000"/>
+  <mc:AlternateContent xmlns:mc="http://schemas.openxmlformats.org/markup-compatibility/2006">
+    <mc:Choice xmlns:p14="http://schemas.microsoft.com/office/powerpoint/2010/main" Requires="p14">
+      <p:transition p14:dur="250" advClick="0"/>
     </mc:Choice>
-    <mc:Fallback xmlns="">
-      <p:transition advClick="0" advTm="10000"/>
+    <mc:Fallback>
+      <p:transition advClick="0"/>
     </mc:Fallback>
   </mc:AlternateContent>
 </p:sld>
@@ -6509,12 +6514,12 @@
   <p:clrMapOvr>
     <a:masterClrMapping/>
   </p:clrMapOvr>
-  <mc:AlternateContent xmlns:mc="http://schemas.openxmlformats.org/markup-compatibility/2006" xmlns:p14="http://schemas.microsoft.com/office/powerpoint/2010/main">
-    <mc:Choice Requires="p14">
-      <p:transition p14:dur="250" advClick="0" advTm="10000"/>
+  <mc:AlternateContent xmlns:mc="http://schemas.openxmlformats.org/markup-compatibility/2006">
+    <mc:Choice xmlns:p14="http://schemas.microsoft.com/office/powerpoint/2010/main" Requires="p14">
+      <p:transition p14:dur="250" advClick="0"/>
     </mc:Choice>
-    <mc:Fallback xmlns="">
-      <p:transition advClick="0" advTm="10000"/>
+    <mc:Fallback>
+      <p:transition advClick="0"/>
     </mc:Fallback>
   </mc:AlternateContent>
 </p:sld>
@@ -6701,12 +6706,12 @@
   <p:clrMapOvr>
     <a:masterClrMapping/>
   </p:clrMapOvr>
-  <mc:AlternateContent xmlns:mc="http://schemas.openxmlformats.org/markup-compatibility/2006" xmlns:p14="http://schemas.microsoft.com/office/powerpoint/2010/main">
-    <mc:Choice Requires="p14">
-      <p:transition p14:dur="250" advClick="0" advTm="10000"/>
+  <mc:AlternateContent xmlns:mc="http://schemas.openxmlformats.org/markup-compatibility/2006">
+    <mc:Choice xmlns:p14="http://schemas.microsoft.com/office/powerpoint/2010/main" Requires="p14">
+      <p:transition p14:dur="250" advClick="0"/>
     </mc:Choice>
-    <mc:Fallback xmlns="">
-      <p:transition advClick="0" advTm="10000"/>
+    <mc:Fallback>
+      <p:transition advClick="0"/>
     </mc:Fallback>
   </mc:AlternateContent>
 </p:sld>
@@ -6928,12 +6933,12 @@
   <p:clrMapOvr>
     <a:masterClrMapping/>
   </p:clrMapOvr>
-  <mc:AlternateContent xmlns:mc="http://schemas.openxmlformats.org/markup-compatibility/2006" xmlns:p14="http://schemas.microsoft.com/office/powerpoint/2010/main">
-    <mc:Choice Requires="p14">
-      <p:transition p14:dur="250" advClick="0" advTm="10000"/>
+  <mc:AlternateContent xmlns:mc="http://schemas.openxmlformats.org/markup-compatibility/2006">
+    <mc:Choice xmlns:p14="http://schemas.microsoft.com/office/powerpoint/2010/main" Requires="p14">
+      <p:transition p14:dur="250" advClick="0"/>
     </mc:Choice>
-    <mc:Fallback xmlns="">
-      <p:transition advClick="0" advTm="10000"/>
+    <mc:Fallback>
+      <p:transition advClick="0"/>
     </mc:Fallback>
   </mc:AlternateContent>
 </p:sld>
@@ -7144,12 +7149,12 @@
   <p:clrMapOvr>
     <a:masterClrMapping/>
   </p:clrMapOvr>
-  <mc:AlternateContent xmlns:mc="http://schemas.openxmlformats.org/markup-compatibility/2006" xmlns:p14="http://schemas.microsoft.com/office/powerpoint/2010/main">
-    <mc:Choice Requires="p14">
-      <p:transition p14:dur="250" advClick="0" advTm="10000"/>
+  <mc:AlternateContent xmlns:mc="http://schemas.openxmlformats.org/markup-compatibility/2006">
+    <mc:Choice xmlns:p14="http://schemas.microsoft.com/office/powerpoint/2010/main" Requires="p14">
+      <p:transition p14:dur="250" advClick="0"/>
     </mc:Choice>
-    <mc:Fallback xmlns="">
-      <p:transition advClick="0" advTm="10000"/>
+    <mc:Fallback>
+      <p:transition advClick="0"/>
     </mc:Fallback>
   </mc:AlternateContent>
 </p:sld>
@@ -7390,12 +7395,12 @@
   <p:clrMapOvr>
     <a:masterClrMapping/>
   </p:clrMapOvr>
-  <mc:AlternateContent xmlns:mc="http://schemas.openxmlformats.org/markup-compatibility/2006" xmlns:p14="http://schemas.microsoft.com/office/powerpoint/2010/main">
-    <mc:Choice Requires="p14">
-      <p:transition p14:dur="250" advClick="0" advTm="10000"/>
+  <mc:AlternateContent xmlns:mc="http://schemas.openxmlformats.org/markup-compatibility/2006">
+    <mc:Choice xmlns:p14="http://schemas.microsoft.com/office/powerpoint/2010/main" Requires="p14">
+      <p:transition p14:dur="250" advClick="0"/>
     </mc:Choice>
-    <mc:Fallback xmlns="">
-      <p:transition advClick="0" advTm="10000"/>
+    <mc:Fallback>
+      <p:transition advClick="0"/>
     </mc:Fallback>
   </mc:AlternateContent>
 </p:sld>
@@ -7614,12 +7619,12 @@
   <p:clrMapOvr>
     <a:masterClrMapping/>
   </p:clrMapOvr>
-  <mc:AlternateContent xmlns:mc="http://schemas.openxmlformats.org/markup-compatibility/2006" xmlns:p14="http://schemas.microsoft.com/office/powerpoint/2010/main">
-    <mc:Choice Requires="p14">
-      <p:transition p14:dur="250" advClick="0" advTm="10000"/>
+  <mc:AlternateContent xmlns:mc="http://schemas.openxmlformats.org/markup-compatibility/2006">
+    <mc:Choice xmlns:p14="http://schemas.microsoft.com/office/powerpoint/2010/main" Requires="p14">
+      <p:transition p14:dur="250" advClick="0"/>
     </mc:Choice>
-    <mc:Fallback xmlns="">
-      <p:transition advClick="0" advTm="10000"/>
+    <mc:Fallback>
+      <p:transition advClick="0"/>
     </mc:Fallback>
   </mc:AlternateContent>
 </p:sld>
@@ -7785,12 +7790,12 @@
   <p:clrMapOvr>
     <a:masterClrMapping/>
   </p:clrMapOvr>
-  <mc:AlternateContent xmlns:mc="http://schemas.openxmlformats.org/markup-compatibility/2006" xmlns:p14="http://schemas.microsoft.com/office/powerpoint/2010/main">
-    <mc:Choice Requires="p14">
-      <p:transition p14:dur="250" advClick="0" advTm="10000"/>
+  <mc:AlternateContent xmlns:mc="http://schemas.openxmlformats.org/markup-compatibility/2006">
+    <mc:Choice xmlns:p14="http://schemas.microsoft.com/office/powerpoint/2010/main" Requires="p14">
+      <p:transition p14:dur="250" advClick="0"/>
     </mc:Choice>
-    <mc:Fallback xmlns="">
-      <p:transition advClick="0" advTm="10000"/>
+    <mc:Fallback>
+      <p:transition advClick="0"/>
     </mc:Fallback>
   </mc:AlternateContent>
 </p:sld>
@@ -7890,23 +7895,18 @@
             </a:pPr>
             <a:r>
               <a:rPr lang="en-CA" dirty="0"/>
-              <a:t>These files are available </a:t>
-            </a:r>
-            <a:r>
-              <a:rPr lang="en-CA"/>
-              <a:t>at </a:t>
-            </a:r>
-            <a:r>
-              <a:rPr lang="en-CA">
+              <a:t>These files are available at </a:t>
+            </a:r>
+            <a:r>
+              <a:rPr lang="en-CA" dirty="0">
                 <a:hlinkClick r:id="rId2"/>
               </a:rPr>
               <a:t>https://github.com/effekt/HackLassonde</a:t>
             </a:r>
             <a:r>
-              <a:rPr lang="en-CA"/>
+              <a:rPr lang="en-CA" dirty="0"/>
               <a:t> </a:t>
             </a:r>
-            <a:endParaRPr lang="en-CA" dirty="0"/>
           </a:p>
         </p:txBody>
       </p:sp>
@@ -7920,12 +7920,12 @@
   <p:clrMapOvr>
     <a:masterClrMapping/>
   </p:clrMapOvr>
-  <mc:AlternateContent xmlns:mc="http://schemas.openxmlformats.org/markup-compatibility/2006" xmlns:p14="http://schemas.microsoft.com/office/powerpoint/2010/main">
-    <mc:Choice Requires="p14">
-      <p:transition p14:dur="250" advClick="0" advTm="10000"/>
+  <mc:AlternateContent xmlns:mc="http://schemas.openxmlformats.org/markup-compatibility/2006">
+    <mc:Choice xmlns:p14="http://schemas.microsoft.com/office/powerpoint/2010/main" Requires="p14">
+      <p:transition p14:dur="250" advClick="0"/>
     </mc:Choice>
-    <mc:Fallback xmlns="">
-      <p:transition advClick="0" advTm="10000"/>
+    <mc:Fallback>
+      <p:transition advClick="0"/>
     </mc:Fallback>
   </mc:AlternateContent>
 </p:sld>
@@ -8086,12 +8086,12 @@
   <p:clrMapOvr>
     <a:masterClrMapping/>
   </p:clrMapOvr>
-  <mc:AlternateContent xmlns:mc="http://schemas.openxmlformats.org/markup-compatibility/2006" xmlns:p14="http://schemas.microsoft.com/office/powerpoint/2010/main">
-    <mc:Choice Requires="p14">
-      <p:transition p14:dur="250" advClick="0" advTm="10000"/>
+  <mc:AlternateContent xmlns:mc="http://schemas.openxmlformats.org/markup-compatibility/2006">
+    <mc:Choice xmlns:p14="http://schemas.microsoft.com/office/powerpoint/2010/main" Requires="p14">
+      <p:transition p14:dur="250" advClick="0"/>
     </mc:Choice>
-    <mc:Fallback xmlns="">
-      <p:transition advClick="0" advTm="10000"/>
+    <mc:Fallback>
+      <p:transition advClick="0"/>
     </mc:Fallback>
   </mc:AlternateContent>
 </p:sld>
@@ -8158,7 +8158,12 @@
             <p:ph idx="1"/>
           </p:nvPr>
         </p:nvSpPr>
-        <p:spPr/>
+        <p:spPr>
+          <a:xfrm>
+            <a:off x="676656" y="2011680"/>
+            <a:ext cx="10753725" cy="4125351"/>
+          </a:xfrm>
+        </p:spPr>
         <p:txBody>
           <a:bodyPr>
             <a:normAutofit lnSpcReduction="10000"/>
@@ -8303,16 +8308,36 @@
               <a:buFont typeface="Arial" panose="020B0604020202020204" pitchFamily="34" charset="0"/>
               <a:buChar char="•"/>
             </a:pPr>
-            <a:endParaRPr lang="en-CA" dirty="0"/>
+            <a:r>
+              <a:rPr lang="en-CA" dirty="0"/>
+              <a:t>GitHub Repo for Workshop (</a:t>
+            </a:r>
+            <a:r>
+              <a:rPr lang="en-CA" dirty="0">
+                <a:hlinkClick r:id="rId7"/>
+              </a:rPr>
+              <a:t>https://github.com/effekt/HackLassonde</a:t>
+            </a:r>
+            <a:r>
+              <a:rPr lang="en-CA" dirty="0"/>
+              <a:t>)</a:t>
+            </a:r>
           </a:p>
           <a:p>
             <a:pPr lvl="1">
               <a:buFont typeface="Arial" panose="020B0604020202020204" pitchFamily="34" charset="0"/>
               <a:buChar char="•"/>
             </a:pPr>
-            <a:r>
-              <a:rPr lang="en-CA" dirty="0"/>
-              <a:t>All commands to be run will be </a:t>
+            <a:endParaRPr lang="en-CA" dirty="0"/>
+          </a:p>
+          <a:p>
+            <a:pPr lvl="1">
+              <a:buFont typeface="Arial" panose="020B0604020202020204" pitchFamily="34" charset="0"/>
+              <a:buChar char="•"/>
+            </a:pPr>
+            <a:r>
+              <a:rPr lang="en-CA" dirty="0"/>
+              <a:t>All important points will be </a:t>
             </a:r>
             <a:r>
               <a:rPr lang="en-CA" dirty="0">
@@ -8335,12 +8360,12 @@
   <p:clrMapOvr>
     <a:masterClrMapping/>
   </p:clrMapOvr>
-  <mc:AlternateContent xmlns:mc="http://schemas.openxmlformats.org/markup-compatibility/2006" xmlns:p14="http://schemas.microsoft.com/office/powerpoint/2010/main">
-    <mc:Choice Requires="p14">
-      <p:transition p14:dur="250" advClick="0" advTm="10000"/>
+  <mc:AlternateContent xmlns:mc="http://schemas.openxmlformats.org/markup-compatibility/2006">
+    <mc:Choice xmlns:p14="http://schemas.microsoft.com/office/powerpoint/2010/main" Requires="p14">
+      <p:transition p14:dur="250" advClick="0"/>
     </mc:Choice>
-    <mc:Fallback xmlns="">
-      <p:transition advClick="0" advTm="10000"/>
+    <mc:Fallback>
+      <p:transition advClick="0"/>
     </mc:Fallback>
   </mc:AlternateContent>
 </p:sld>
@@ -8566,12 +8591,12 @@
   <p:clrMapOvr>
     <a:masterClrMapping/>
   </p:clrMapOvr>
-  <mc:AlternateContent xmlns:mc="http://schemas.openxmlformats.org/markup-compatibility/2006" xmlns:p14="http://schemas.microsoft.com/office/powerpoint/2010/main">
-    <mc:Choice Requires="p14">
-      <p:transition p14:dur="250" advClick="0" advTm="10000"/>
+  <mc:AlternateContent xmlns:mc="http://schemas.openxmlformats.org/markup-compatibility/2006">
+    <mc:Choice xmlns:p14="http://schemas.microsoft.com/office/powerpoint/2010/main" Requires="p14">
+      <p:transition p14:dur="250" advClick="0"/>
     </mc:Choice>
-    <mc:Fallback xmlns="">
-      <p:transition advClick="0" advTm="10000"/>
+    <mc:Fallback>
+      <p:transition advClick="0"/>
     </mc:Fallback>
   </mc:AlternateContent>
 </p:sld>
@@ -8879,12 +8904,12 @@
   <p:clrMapOvr>
     <a:masterClrMapping/>
   </p:clrMapOvr>
-  <mc:AlternateContent xmlns:mc="http://schemas.openxmlformats.org/markup-compatibility/2006" xmlns:p14="http://schemas.microsoft.com/office/powerpoint/2010/main">
-    <mc:Choice Requires="p14">
-      <p:transition p14:dur="250" advClick="0" advTm="10000"/>
+  <mc:AlternateContent xmlns:mc="http://schemas.openxmlformats.org/markup-compatibility/2006">
+    <mc:Choice xmlns:p14="http://schemas.microsoft.com/office/powerpoint/2010/main" Requires="p14">
+      <p:transition p14:dur="250" advClick="0"/>
     </mc:Choice>
-    <mc:Fallback xmlns="">
-      <p:transition advClick="0" advTm="10000"/>
+    <mc:Fallback>
+      <p:transition advClick="0"/>
     </mc:Fallback>
   </mc:AlternateContent>
 </p:sld>
@@ -9184,12 +9209,12 @@
   <p:clrMapOvr>
     <a:masterClrMapping/>
   </p:clrMapOvr>
-  <mc:AlternateContent xmlns:mc="http://schemas.openxmlformats.org/markup-compatibility/2006" xmlns:p14="http://schemas.microsoft.com/office/powerpoint/2010/main">
-    <mc:Choice Requires="p14">
-      <p:transition p14:dur="250" advClick="0" advTm="10000"/>
+  <mc:AlternateContent xmlns:mc="http://schemas.openxmlformats.org/markup-compatibility/2006">
+    <mc:Choice xmlns:p14="http://schemas.microsoft.com/office/powerpoint/2010/main" Requires="p14">
+      <p:transition p14:dur="250" advClick="0"/>
     </mc:Choice>
-    <mc:Fallback xmlns="">
-      <p:transition advClick="0" advTm="10000"/>
+    <mc:Fallback>
+      <p:transition advClick="0"/>
     </mc:Fallback>
   </mc:AlternateContent>
 </p:sld>
@@ -9327,12 +9352,12 @@
   <p:clrMapOvr>
     <a:masterClrMapping/>
   </p:clrMapOvr>
-  <mc:AlternateContent xmlns:mc="http://schemas.openxmlformats.org/markup-compatibility/2006" xmlns:p14="http://schemas.microsoft.com/office/powerpoint/2010/main">
-    <mc:Choice Requires="p14">
-      <p:transition p14:dur="250" advClick="0" advTm="10000"/>
+  <mc:AlternateContent xmlns:mc="http://schemas.openxmlformats.org/markup-compatibility/2006">
+    <mc:Choice xmlns:p14="http://schemas.microsoft.com/office/powerpoint/2010/main" Requires="p14">
+      <p:transition p14:dur="250" advClick="0"/>
     </mc:Choice>
-    <mc:Fallback xmlns="">
-      <p:transition advClick="0" advTm="10000"/>
+    <mc:Fallback>
+      <p:transition advClick="0"/>
     </mc:Fallback>
   </mc:AlternateContent>
 </p:sld>
@@ -9550,12 +9575,12 @@
   <p:clrMapOvr>
     <a:masterClrMapping/>
   </p:clrMapOvr>
-  <mc:AlternateContent xmlns:mc="http://schemas.openxmlformats.org/markup-compatibility/2006" xmlns:p14="http://schemas.microsoft.com/office/powerpoint/2010/main">
-    <mc:Choice Requires="p14">
-      <p:transition p14:dur="250" advClick="0" advTm="10000"/>
+  <mc:AlternateContent xmlns:mc="http://schemas.openxmlformats.org/markup-compatibility/2006">
+    <mc:Choice xmlns:p14="http://schemas.microsoft.com/office/powerpoint/2010/main" Requires="p14">
+      <p:transition p14:dur="250" advClick="0"/>
     </mc:Choice>
-    <mc:Fallback xmlns="">
-      <p:transition advClick="0" advTm="10000"/>
+    <mc:Fallback>
+      <p:transition advClick="0"/>
     </mc:Fallback>
   </mc:AlternateContent>
 </p:sld>
